--- a/hw1review/hw12class2/HW12class1V1.pptx
+++ b/hw1review/hw12class2/HW12class1V1.pptx
@@ -3700,10 +3700,10 @@
       </p:sp>
       <p:sp>
         <p:nvSpPr>
-          <p:cNvPr id="6" name="TextBox 5">
-            <a:extLst>
-              <a:ext uri="{FF2B5EF4-FFF2-40B4-BE49-F238E27FC236}">
-                <a16:creationId xmlns:a16="http://schemas.microsoft.com/office/drawing/2014/main" id="{8537F451-553E-6B92-93F8-443FAB856749}"/>
+          <p:cNvPr id="5" name="TextBox 4">
+            <a:extLst>
+              <a:ext uri="{FF2B5EF4-FFF2-40B4-BE49-F238E27FC236}">
+                <a16:creationId xmlns:a16="http://schemas.microsoft.com/office/drawing/2014/main" id="{D5EBABA7-BDD7-DCA7-AE11-837D37B9B222}"/>
               </a:ext>
             </a:extLst>
           </p:cNvPr>
@@ -3712,8 +3712,8 @@
         </p:nvSpPr>
         <p:spPr>
           <a:xfrm>
-            <a:off x="3049229" y="3105835"/>
-            <a:ext cx="7805584" cy="369332"/>
+            <a:off x="1533525" y="3059668"/>
+            <a:ext cx="8686800" cy="369332"/>
           </a:xfrm>
           <a:prstGeom prst="rect">
             <a:avLst/>
@@ -3730,7 +3730,7 @@
               <a:rPr lang="en-US" dirty="0">
                 <a:hlinkClick r:id="rId2"/>
               </a:rPr>
-              <a:t>https://github.com/dougsuh/artCoding/tree/master/hw1review/hw11class1</a:t>
+              <a:t>https://github.com/dougsuh/artCoding/tree/master/hw1review/hw12class2</a:t>
             </a:r>
             <a:r>
               <a:rPr lang="en-US" dirty="0"/>
